--- a/Data Science.pptx
+++ b/Data Science.pptx
@@ -19,6 +19,7 @@
     <p:sldId id="268" r:id="rId13"/>
     <p:sldId id="269" r:id="rId14"/>
     <p:sldId id="267" r:id="rId15"/>
+    <p:sldId id="270" r:id="rId16"/>
   </p:sldIdLst>
   <p:sldSz cx="9144000" cy="6858000" type="screen4x3"/>
   <p:notesSz cx="6858000" cy="9144000"/>
@@ -5137,6 +5138,359 @@
 </p:sld>
 </file>
 
+<file path=ppt/slides/slide15.xml><?xml version="1.0" encoding="utf-8"?>
+<p:sld xmlns:a="http://schemas.openxmlformats.org/drawingml/2006/main" xmlns:r="http://schemas.openxmlformats.org/officeDocument/2006/relationships" xmlns:p="http://schemas.openxmlformats.org/presentationml/2006/main">
+  <p:cSld>
+    <p:spTree>
+      <p:nvGrpSpPr>
+        <p:cNvPr id="1" name=""/>
+        <p:cNvGrpSpPr/>
+        <p:nvPr/>
+      </p:nvGrpSpPr>
+      <p:grpSpPr>
+        <a:xfrm>
+          <a:off x="0" y="0"/>
+          <a:ext cx="0" cy="0"/>
+          <a:chOff x="0" y="0"/>
+          <a:chExt cx="0" cy="0"/>
+        </a:xfrm>
+      </p:grpSpPr>
+      <p:sp>
+        <p:nvSpPr>
+          <p:cNvPr id="2" name="Titre 1"/>
+          <p:cNvSpPr>
+            <a:spLocks noGrp="1"/>
+          </p:cNvSpPr>
+          <p:nvPr>
+            <p:ph type="title"/>
+          </p:nvPr>
+        </p:nvSpPr>
+        <p:spPr/>
+        <p:txBody>
+          <a:bodyPr/>
+          <a:lstStyle/>
+          <a:p>
+            <a:r>
+              <a:rPr lang="fr-FR" dirty="0" smtClean="0"/>
+              <a:t>Books</a:t>
+            </a:r>
+            <a:endParaRPr lang="fr-FR" dirty="0"/>
+          </a:p>
+        </p:txBody>
+      </p:sp>
+      <p:pic>
+        <p:nvPicPr>
+          <p:cNvPr id="4" name="Image 3"/>
+          <p:cNvPicPr>
+            <a:picLocks noChangeAspect="1"/>
+          </p:cNvPicPr>
+          <p:nvPr/>
+        </p:nvPicPr>
+        <p:blipFill>
+          <a:blip r:embed="rId2" cstate="print">
+            <a:extLst>
+              <a:ext uri="{28A0092B-C50C-407E-A947-70E740481C1C}">
+                <a14:useLocalDpi xmlns:a14="http://schemas.microsoft.com/office/drawing/2010/main" val="0"/>
+              </a:ext>
+            </a:extLst>
+          </a:blip>
+          <a:stretch>
+            <a:fillRect/>
+          </a:stretch>
+        </p:blipFill>
+        <p:spPr>
+          <a:xfrm>
+            <a:off x="2223003" y="2036702"/>
+            <a:ext cx="1406512" cy="2160000"/>
+          </a:xfrm>
+          <a:prstGeom prst="rect">
+            <a:avLst/>
+          </a:prstGeom>
+        </p:spPr>
+      </p:pic>
+      <p:pic>
+        <p:nvPicPr>
+          <p:cNvPr id="5" name="Image 4"/>
+          <p:cNvPicPr>
+            <a:picLocks noChangeAspect="1"/>
+          </p:cNvPicPr>
+          <p:nvPr/>
+        </p:nvPicPr>
+        <p:blipFill>
+          <a:blip r:embed="rId3">
+            <a:extLst>
+              <a:ext uri="{28A0092B-C50C-407E-A947-70E740481C1C}">
+                <a14:useLocalDpi xmlns:a14="http://schemas.microsoft.com/office/drawing/2010/main" val="0"/>
+              </a:ext>
+            </a:extLst>
+          </a:blip>
+          <a:stretch>
+            <a:fillRect/>
+          </a:stretch>
+        </p:blipFill>
+        <p:spPr>
+          <a:xfrm>
+            <a:off x="395536" y="2036702"/>
+            <a:ext cx="1745455" cy="2160000"/>
+          </a:xfrm>
+          <a:prstGeom prst="rect">
+            <a:avLst/>
+          </a:prstGeom>
+        </p:spPr>
+      </p:pic>
+      <p:pic>
+        <p:nvPicPr>
+          <p:cNvPr id="6" name="Image 5"/>
+          <p:cNvPicPr>
+            <a:picLocks noChangeAspect="1"/>
+          </p:cNvPicPr>
+          <p:nvPr/>
+        </p:nvPicPr>
+        <p:blipFill>
+          <a:blip r:embed="rId4">
+            <a:extLst>
+              <a:ext uri="{28A0092B-C50C-407E-A947-70E740481C1C}">
+                <a14:useLocalDpi xmlns:a14="http://schemas.microsoft.com/office/drawing/2010/main" val="0"/>
+              </a:ext>
+            </a:extLst>
+          </a:blip>
+          <a:stretch>
+            <a:fillRect/>
+          </a:stretch>
+        </p:blipFill>
+        <p:spPr>
+          <a:xfrm>
+            <a:off x="2066719" y="4231260"/>
+            <a:ext cx="1761978" cy="2160000"/>
+          </a:xfrm>
+          <a:prstGeom prst="rect">
+            <a:avLst/>
+          </a:prstGeom>
+        </p:spPr>
+      </p:pic>
+      <p:pic>
+        <p:nvPicPr>
+          <p:cNvPr id="7" name="Image 6"/>
+          <p:cNvPicPr>
+            <a:picLocks noChangeAspect="1"/>
+          </p:cNvPicPr>
+          <p:nvPr/>
+        </p:nvPicPr>
+        <p:blipFill>
+          <a:blip r:embed="rId5" cstate="print">
+            <a:extLst>
+              <a:ext uri="{28A0092B-C50C-407E-A947-70E740481C1C}">
+                <a14:useLocalDpi xmlns:a14="http://schemas.microsoft.com/office/drawing/2010/main" val="0"/>
+              </a:ext>
+            </a:extLst>
+          </a:blip>
+          <a:stretch>
+            <a:fillRect/>
+          </a:stretch>
+        </p:blipFill>
+        <p:spPr>
+          <a:xfrm>
+            <a:off x="395536" y="4231260"/>
+            <a:ext cx="1658470" cy="2160000"/>
+          </a:xfrm>
+          <a:prstGeom prst="rect">
+            <a:avLst/>
+          </a:prstGeom>
+        </p:spPr>
+      </p:pic>
+      <p:pic>
+        <p:nvPicPr>
+          <p:cNvPr id="8" name="Image 7"/>
+          <p:cNvPicPr>
+            <a:picLocks noChangeAspect="1"/>
+          </p:cNvPicPr>
+          <p:nvPr/>
+        </p:nvPicPr>
+        <p:blipFill>
+          <a:blip r:embed="rId6">
+            <a:extLst>
+              <a:ext uri="{28A0092B-C50C-407E-A947-70E740481C1C}">
+                <a14:useLocalDpi xmlns:a14="http://schemas.microsoft.com/office/drawing/2010/main" val="0"/>
+              </a:ext>
+            </a:extLst>
+          </a:blip>
+          <a:stretch>
+            <a:fillRect/>
+          </a:stretch>
+        </p:blipFill>
+        <p:spPr>
+          <a:xfrm>
+            <a:off x="3711527" y="2036702"/>
+            <a:ext cx="1650956" cy="2160000"/>
+          </a:xfrm>
+          <a:prstGeom prst="rect">
+            <a:avLst/>
+          </a:prstGeom>
+        </p:spPr>
+      </p:pic>
+      <p:pic>
+        <p:nvPicPr>
+          <p:cNvPr id="9" name="Image 8"/>
+          <p:cNvPicPr>
+            <a:picLocks noChangeAspect="1"/>
+          </p:cNvPicPr>
+          <p:nvPr/>
+        </p:nvPicPr>
+        <p:blipFill>
+          <a:blip r:embed="rId7">
+            <a:extLst>
+              <a:ext uri="{28A0092B-C50C-407E-A947-70E740481C1C}">
+                <a14:useLocalDpi xmlns:a14="http://schemas.microsoft.com/office/drawing/2010/main" val="0"/>
+              </a:ext>
+            </a:extLst>
+          </a:blip>
+          <a:stretch>
+            <a:fillRect/>
+          </a:stretch>
+        </p:blipFill>
+        <p:spPr>
+          <a:xfrm>
+            <a:off x="3841410" y="4231260"/>
+            <a:ext cx="1654177" cy="2160000"/>
+          </a:xfrm>
+          <a:prstGeom prst="rect">
+            <a:avLst/>
+          </a:prstGeom>
+        </p:spPr>
+      </p:pic>
+      <p:pic>
+        <p:nvPicPr>
+          <p:cNvPr id="10" name="Image 9"/>
+          <p:cNvPicPr>
+            <a:picLocks noChangeAspect="1"/>
+          </p:cNvPicPr>
+          <p:nvPr/>
+        </p:nvPicPr>
+        <p:blipFill>
+          <a:blip r:embed="rId8">
+            <a:extLst>
+              <a:ext uri="{28A0092B-C50C-407E-A947-70E740481C1C}">
+                <a14:useLocalDpi xmlns:a14="http://schemas.microsoft.com/office/drawing/2010/main" val="0"/>
+              </a:ext>
+            </a:extLst>
+          </a:blip>
+          <a:stretch>
+            <a:fillRect/>
+          </a:stretch>
+        </p:blipFill>
+        <p:spPr>
+          <a:xfrm>
+            <a:off x="5508300" y="4231260"/>
+            <a:ext cx="1656610" cy="2160000"/>
+          </a:xfrm>
+          <a:prstGeom prst="rect">
+            <a:avLst/>
+          </a:prstGeom>
+        </p:spPr>
+      </p:pic>
+      <p:pic>
+        <p:nvPicPr>
+          <p:cNvPr id="11" name="Image 10"/>
+          <p:cNvPicPr>
+            <a:picLocks noChangeAspect="1"/>
+          </p:cNvPicPr>
+          <p:nvPr/>
+        </p:nvPicPr>
+        <p:blipFill>
+          <a:blip r:embed="rId9">
+            <a:extLst>
+              <a:ext uri="{28A0092B-C50C-407E-A947-70E740481C1C}">
+                <a14:useLocalDpi xmlns:a14="http://schemas.microsoft.com/office/drawing/2010/main" val="0"/>
+              </a:ext>
+            </a:extLst>
+          </a:blip>
+          <a:stretch>
+            <a:fillRect/>
+          </a:stretch>
+        </p:blipFill>
+        <p:spPr>
+          <a:xfrm>
+            <a:off x="5444495" y="2036702"/>
+            <a:ext cx="1531406" cy="2160000"/>
+          </a:xfrm>
+          <a:prstGeom prst="rect">
+            <a:avLst/>
+          </a:prstGeom>
+        </p:spPr>
+      </p:pic>
+      <p:pic>
+        <p:nvPicPr>
+          <p:cNvPr id="12" name="Image 11"/>
+          <p:cNvPicPr>
+            <a:picLocks noChangeAspect="1"/>
+          </p:cNvPicPr>
+          <p:nvPr/>
+        </p:nvPicPr>
+        <p:blipFill>
+          <a:blip r:embed="rId10">
+            <a:extLst>
+              <a:ext uri="{28A0092B-C50C-407E-A947-70E740481C1C}">
+                <a14:useLocalDpi xmlns:a14="http://schemas.microsoft.com/office/drawing/2010/main" val="0"/>
+              </a:ext>
+            </a:extLst>
+          </a:blip>
+          <a:stretch>
+            <a:fillRect/>
+          </a:stretch>
+        </p:blipFill>
+        <p:spPr>
+          <a:xfrm>
+            <a:off x="7177624" y="4231260"/>
+            <a:ext cx="1664714" cy="2160000"/>
+          </a:xfrm>
+          <a:prstGeom prst="rect">
+            <a:avLst/>
+          </a:prstGeom>
+        </p:spPr>
+      </p:pic>
+      <p:pic>
+        <p:nvPicPr>
+          <p:cNvPr id="13" name="Image 12"/>
+          <p:cNvPicPr>
+            <a:picLocks noChangeAspect="1"/>
+          </p:cNvPicPr>
+          <p:nvPr/>
+        </p:nvPicPr>
+        <p:blipFill>
+          <a:blip r:embed="rId11">
+            <a:extLst>
+              <a:ext uri="{28A0092B-C50C-407E-A947-70E740481C1C}">
+                <a14:useLocalDpi xmlns:a14="http://schemas.microsoft.com/office/drawing/2010/main" val="0"/>
+              </a:ext>
+            </a:extLst>
+          </a:blip>
+          <a:stretch>
+            <a:fillRect/>
+          </a:stretch>
+        </p:blipFill>
+        <p:spPr>
+          <a:xfrm>
+            <a:off x="7057914" y="2036702"/>
+            <a:ext cx="1652034" cy="2160000"/>
+          </a:xfrm>
+          <a:prstGeom prst="rect">
+            <a:avLst/>
+          </a:prstGeom>
+        </p:spPr>
+      </p:pic>
+    </p:spTree>
+    <p:extLst>
+      <p:ext uri="{BB962C8B-B14F-4D97-AF65-F5344CB8AC3E}">
+        <p14:creationId xmlns:p14="http://schemas.microsoft.com/office/powerpoint/2010/main" val="3820096194"/>
+      </p:ext>
+    </p:extLst>
+  </p:cSld>
+  <p:clrMapOvr>
+    <a:masterClrMapping/>
+  </p:clrMapOvr>
+</p:sld>
+</file>
+
 <file path=ppt/slides/slide2.xml><?xml version="1.0" encoding="utf-8"?>
 <p:sld xmlns:a="http://schemas.openxmlformats.org/drawingml/2006/main" xmlns:r="http://schemas.openxmlformats.org/officeDocument/2006/relationships" xmlns:p="http://schemas.openxmlformats.org/presentationml/2006/main">
   <p:cSld>

--- a/Data Science.pptx
+++ b/Data Science.pptx
@@ -271,11 +271,11 @@
           <c:showPercent val="0"/>
           <c:showBubbleSize val="0"/>
         </c:dLbls>
-        <c:axId val="161547392"/>
-        <c:axId val="161549312"/>
+        <c:axId val="180654080"/>
+        <c:axId val="180656000"/>
       </c:scatterChart>
       <c:valAx>
-        <c:axId val="161547392"/>
+        <c:axId val="180654080"/>
         <c:scaling>
           <c:orientation val="minMax"/>
         </c:scaling>
@@ -316,12 +316,12 @@
             <a:endParaRPr lang="fr-FR"/>
           </a:p>
         </c:txPr>
-        <c:crossAx val="161549312"/>
+        <c:crossAx val="180656000"/>
         <c:crosses val="autoZero"/>
         <c:crossBetween val="midCat"/>
       </c:valAx>
       <c:valAx>
-        <c:axId val="161549312"/>
+        <c:axId val="180656000"/>
         <c:scaling>
           <c:orientation val="minMax"/>
         </c:scaling>
@@ -357,7 +357,7 @@
         <c:majorTickMark val="out"/>
         <c:minorTickMark val="none"/>
         <c:tickLblPos val="nextTo"/>
-        <c:crossAx val="161547392"/>
+        <c:crossAx val="180654080"/>
         <c:crosses val="autoZero"/>
         <c:crossBetween val="midCat"/>
         <c:majorUnit val="100000000000000"/>
@@ -489,11 +489,11 @@
           <c:showPercent val="0"/>
           <c:showBubbleSize val="0"/>
         </c:dLbls>
-        <c:axId val="171728896"/>
-        <c:axId val="171730816"/>
+        <c:axId val="180680576"/>
+        <c:axId val="129302528"/>
       </c:scatterChart>
       <c:valAx>
-        <c:axId val="171728896"/>
+        <c:axId val="180680576"/>
         <c:scaling>
           <c:orientation val="minMax"/>
         </c:scaling>
@@ -534,12 +534,12 @@
             <a:endParaRPr lang="fr-FR"/>
           </a:p>
         </c:txPr>
-        <c:crossAx val="171730816"/>
+        <c:crossAx val="129302528"/>
         <c:crosses val="autoZero"/>
         <c:crossBetween val="midCat"/>
       </c:valAx>
       <c:valAx>
-        <c:axId val="171730816"/>
+        <c:axId val="129302528"/>
         <c:scaling>
           <c:orientation val="minMax"/>
         </c:scaling>
@@ -570,7 +570,7 @@
         <c:majorTickMark val="out"/>
         <c:minorTickMark val="none"/>
         <c:tickLblPos val="nextTo"/>
-        <c:crossAx val="171728896"/>
+        <c:crossAx val="180680576"/>
         <c:crosses val="autoZero"/>
         <c:crossBetween val="midCat"/>
         <c:majorUnit val="1000000000000000"/>
@@ -787,7 +787,7 @@
           <a:p>
             <a:fld id="{358E1B44-AA89-4BE5-B4C6-602F14CFDCED}" type="datetimeFigureOut">
               <a:rPr lang="fr-FR" smtClean="0"/>
-              <a:t>16/03/2017</a:t>
+              <a:t>18/03/2017</a:t>
             </a:fld>
             <a:endParaRPr lang="fr-FR"/>
           </a:p>
@@ -957,7 +957,7 @@
           <a:p>
             <a:fld id="{358E1B44-AA89-4BE5-B4C6-602F14CFDCED}" type="datetimeFigureOut">
               <a:rPr lang="fr-FR" smtClean="0"/>
-              <a:t>16/03/2017</a:t>
+              <a:t>18/03/2017</a:t>
             </a:fld>
             <a:endParaRPr lang="fr-FR"/>
           </a:p>
@@ -1137,7 +1137,7 @@
           <a:p>
             <a:fld id="{358E1B44-AA89-4BE5-B4C6-602F14CFDCED}" type="datetimeFigureOut">
               <a:rPr lang="fr-FR" smtClean="0"/>
-              <a:t>16/03/2017</a:t>
+              <a:t>18/03/2017</a:t>
             </a:fld>
             <a:endParaRPr lang="fr-FR"/>
           </a:p>
@@ -1307,7 +1307,7 @@
           <a:p>
             <a:fld id="{358E1B44-AA89-4BE5-B4C6-602F14CFDCED}" type="datetimeFigureOut">
               <a:rPr lang="fr-FR" smtClean="0"/>
-              <a:t>16/03/2017</a:t>
+              <a:t>18/03/2017</a:t>
             </a:fld>
             <a:endParaRPr lang="fr-FR"/>
           </a:p>
@@ -1553,7 +1553,7 @@
           <a:p>
             <a:fld id="{358E1B44-AA89-4BE5-B4C6-602F14CFDCED}" type="datetimeFigureOut">
               <a:rPr lang="fr-FR" smtClean="0"/>
-              <a:t>16/03/2017</a:t>
+              <a:t>18/03/2017</a:t>
             </a:fld>
             <a:endParaRPr lang="fr-FR"/>
           </a:p>
@@ -1841,7 +1841,7 @@
           <a:p>
             <a:fld id="{358E1B44-AA89-4BE5-B4C6-602F14CFDCED}" type="datetimeFigureOut">
               <a:rPr lang="fr-FR" smtClean="0"/>
-              <a:t>16/03/2017</a:t>
+              <a:t>18/03/2017</a:t>
             </a:fld>
             <a:endParaRPr lang="fr-FR"/>
           </a:p>
@@ -2263,7 +2263,7 @@
           <a:p>
             <a:fld id="{358E1B44-AA89-4BE5-B4C6-602F14CFDCED}" type="datetimeFigureOut">
               <a:rPr lang="fr-FR" smtClean="0"/>
-              <a:t>16/03/2017</a:t>
+              <a:t>18/03/2017</a:t>
             </a:fld>
             <a:endParaRPr lang="fr-FR"/>
           </a:p>
@@ -2381,7 +2381,7 @@
           <a:p>
             <a:fld id="{358E1B44-AA89-4BE5-B4C6-602F14CFDCED}" type="datetimeFigureOut">
               <a:rPr lang="fr-FR" smtClean="0"/>
-              <a:t>16/03/2017</a:t>
+              <a:t>18/03/2017</a:t>
             </a:fld>
             <a:endParaRPr lang="fr-FR"/>
           </a:p>
@@ -2476,7 +2476,7 @@
           <a:p>
             <a:fld id="{358E1B44-AA89-4BE5-B4C6-602F14CFDCED}" type="datetimeFigureOut">
               <a:rPr lang="fr-FR" smtClean="0"/>
-              <a:t>16/03/2017</a:t>
+              <a:t>18/03/2017</a:t>
             </a:fld>
             <a:endParaRPr lang="fr-FR"/>
           </a:p>
@@ -2753,7 +2753,7 @@
           <a:p>
             <a:fld id="{358E1B44-AA89-4BE5-B4C6-602F14CFDCED}" type="datetimeFigureOut">
               <a:rPr lang="fr-FR" smtClean="0"/>
-              <a:t>16/03/2017</a:t>
+              <a:t>18/03/2017</a:t>
             </a:fld>
             <a:endParaRPr lang="fr-FR"/>
           </a:p>
@@ -3006,7 +3006,7 @@
           <a:p>
             <a:fld id="{358E1B44-AA89-4BE5-B4C6-602F14CFDCED}" type="datetimeFigureOut">
               <a:rPr lang="fr-FR" smtClean="0"/>
-              <a:t>16/03/2017</a:t>
+              <a:t>18/03/2017</a:t>
             </a:fld>
             <a:endParaRPr lang="fr-FR"/>
           </a:p>
@@ -3219,7 +3219,7 @@
           <a:p>
             <a:fld id="{358E1B44-AA89-4BE5-B4C6-602F14CFDCED}" type="datetimeFigureOut">
               <a:rPr lang="fr-FR" smtClean="0"/>
-              <a:t>16/03/2017</a:t>
+              <a:t>18/03/2017</a:t>
             </a:fld>
             <a:endParaRPr lang="fr-FR"/>
           </a:p>
@@ -3710,13 +3710,6 @@
   <p:clrMapOvr>
     <a:masterClrMapping/>
   </p:clrMapOvr>
-  <p:timing>
-    <p:tnLst>
-      <p:par>
-        <p:cTn id="1" dur="indefinite" restart="never" nodeType="tmRoot"/>
-      </p:par>
-    </p:tnLst>
-  </p:timing>
 </p:sld>
 </file>
 
@@ -5200,8 +5193,8 @@
         </p:blipFill>
         <p:spPr>
           <a:xfrm>
-            <a:off x="2223003" y="2036702"/>
-            <a:ext cx="1406512" cy="2160000"/>
+            <a:off x="1814481" y="2036702"/>
+            <a:ext cx="1165600" cy="1790028"/>
           </a:xfrm>
           <a:prstGeom prst="rect">
             <a:avLst/>
@@ -5230,8 +5223,8 @@
         </p:blipFill>
         <p:spPr>
           <a:xfrm>
-            <a:off x="395536" y="2036702"/>
-            <a:ext cx="1745455" cy="2160000"/>
+            <a:off x="251520" y="2036702"/>
+            <a:ext cx="1446488" cy="1790028"/>
           </a:xfrm>
           <a:prstGeom prst="rect">
             <a:avLst/>
@@ -5247,7 +5240,7 @@
           <p:nvPr/>
         </p:nvPicPr>
         <p:blipFill>
-          <a:blip r:embed="rId4">
+          <a:blip r:embed="rId4" cstate="print">
             <a:extLst>
               <a:ext uri="{28A0092B-C50C-407E-A947-70E740481C1C}">
                 <a14:useLocalDpi xmlns:a14="http://schemas.microsoft.com/office/drawing/2010/main" val="0"/>
@@ -5260,8 +5253,8 @@
         </p:blipFill>
         <p:spPr>
           <a:xfrm>
-            <a:off x="2066719" y="4231260"/>
-            <a:ext cx="1761978" cy="2160000"/>
+            <a:off x="251520" y="4077072"/>
+            <a:ext cx="1460181" cy="1790028"/>
           </a:xfrm>
           <a:prstGeom prst="rect">
             <a:avLst/>
@@ -5290,8 +5283,8 @@
         </p:blipFill>
         <p:spPr>
           <a:xfrm>
-            <a:off x="395536" y="4231260"/>
-            <a:ext cx="1658470" cy="2160000"/>
+            <a:off x="7452319" y="2036702"/>
+            <a:ext cx="1374402" cy="1790028"/>
           </a:xfrm>
           <a:prstGeom prst="rect">
             <a:avLst/>
@@ -5307,7 +5300,7 @@
           <p:nvPr/>
         </p:nvPicPr>
         <p:blipFill>
-          <a:blip r:embed="rId6">
+          <a:blip r:embed="rId6" cstate="print">
             <a:extLst>
               <a:ext uri="{28A0092B-C50C-407E-A947-70E740481C1C}">
                 <a14:useLocalDpi xmlns:a14="http://schemas.microsoft.com/office/drawing/2010/main" val="0"/>
@@ -5320,8 +5313,8 @@
         </p:blipFill>
         <p:spPr>
           <a:xfrm>
-            <a:off x="3711527" y="2036702"/>
-            <a:ext cx="1650956" cy="2160000"/>
+            <a:off x="3096554" y="2036702"/>
+            <a:ext cx="1368175" cy="1790028"/>
           </a:xfrm>
           <a:prstGeom prst="rect">
             <a:avLst/>
@@ -5337,7 +5330,7 @@
           <p:nvPr/>
         </p:nvPicPr>
         <p:blipFill>
-          <a:blip r:embed="rId7">
+          <a:blip r:embed="rId7" cstate="print">
             <a:extLst>
               <a:ext uri="{28A0092B-C50C-407E-A947-70E740481C1C}">
                 <a14:useLocalDpi xmlns:a14="http://schemas.microsoft.com/office/drawing/2010/main" val="0"/>
@@ -5350,8 +5343,8 @@
         </p:blipFill>
         <p:spPr>
           <a:xfrm>
-            <a:off x="3841410" y="4231260"/>
-            <a:ext cx="1654177" cy="2160000"/>
+            <a:off x="1788203" y="4077072"/>
+            <a:ext cx="1370844" cy="1790028"/>
           </a:xfrm>
           <a:prstGeom prst="rect">
             <a:avLst/>
@@ -5367,7 +5360,7 @@
           <p:nvPr/>
         </p:nvPicPr>
         <p:blipFill>
-          <a:blip r:embed="rId8">
+          <a:blip r:embed="rId8" cstate="print">
             <a:extLst>
               <a:ext uri="{28A0092B-C50C-407E-A947-70E740481C1C}">
                 <a14:useLocalDpi xmlns:a14="http://schemas.microsoft.com/office/drawing/2010/main" val="0"/>
@@ -5380,8 +5373,8 @@
         </p:blipFill>
         <p:spPr>
           <a:xfrm>
-            <a:off x="5508300" y="4231260"/>
-            <a:ext cx="1656610" cy="2160000"/>
+            <a:off x="3235549" y="4077072"/>
+            <a:ext cx="1372860" cy="1790028"/>
           </a:xfrm>
           <a:prstGeom prst="rect">
             <a:avLst/>
@@ -5397,7 +5390,7 @@
           <p:nvPr/>
         </p:nvPicPr>
         <p:blipFill>
-          <a:blip r:embed="rId9">
+          <a:blip r:embed="rId9" cstate="print">
             <a:extLst>
               <a:ext uri="{28A0092B-C50C-407E-A947-70E740481C1C}">
                 <a14:useLocalDpi xmlns:a14="http://schemas.microsoft.com/office/drawing/2010/main" val="0"/>
@@ -5410,8 +5403,8 @@
         </p:blipFill>
         <p:spPr>
           <a:xfrm>
-            <a:off x="5444495" y="2036702"/>
-            <a:ext cx="1531406" cy="2160000"/>
+            <a:off x="4581202" y="2036702"/>
+            <a:ext cx="1269102" cy="1790028"/>
           </a:xfrm>
           <a:prstGeom prst="rect">
             <a:avLst/>
@@ -5427,7 +5420,7 @@
           <p:nvPr/>
         </p:nvPicPr>
         <p:blipFill>
-          <a:blip r:embed="rId10">
+          <a:blip r:embed="rId10" cstate="print">
             <a:extLst>
               <a:ext uri="{28A0092B-C50C-407E-A947-70E740481C1C}">
                 <a14:useLocalDpi xmlns:a14="http://schemas.microsoft.com/office/drawing/2010/main" val="0"/>
@@ -5440,8 +5433,8 @@
         </p:blipFill>
         <p:spPr>
           <a:xfrm>
-            <a:off x="7177624" y="4231260"/>
-            <a:ext cx="1664714" cy="2160000"/>
+            <a:off x="4684911" y="4077072"/>
+            <a:ext cx="1379576" cy="1790028"/>
           </a:xfrm>
           <a:prstGeom prst="rect">
             <a:avLst/>
@@ -5457,7 +5450,7 @@
           <p:nvPr/>
         </p:nvPicPr>
         <p:blipFill>
-          <a:blip r:embed="rId11">
+          <a:blip r:embed="rId11" cstate="print">
             <a:extLst>
               <a:ext uri="{28A0092B-C50C-407E-A947-70E740481C1C}">
                 <a14:useLocalDpi xmlns:a14="http://schemas.microsoft.com/office/drawing/2010/main" val="0"/>
@@ -5470,8 +5463,68 @@
         </p:blipFill>
         <p:spPr>
           <a:xfrm>
-            <a:off x="7057914" y="2036702"/>
-            <a:ext cx="1652034" cy="2160000"/>
+            <a:off x="5966777" y="2036702"/>
+            <a:ext cx="1369068" cy="1790028"/>
+          </a:xfrm>
+          <a:prstGeom prst="rect">
+            <a:avLst/>
+          </a:prstGeom>
+        </p:spPr>
+      </p:pic>
+      <p:pic>
+        <p:nvPicPr>
+          <p:cNvPr id="3" name="Image 2"/>
+          <p:cNvPicPr>
+            <a:picLocks noChangeAspect="1"/>
+          </p:cNvPicPr>
+          <p:nvPr/>
+        </p:nvPicPr>
+        <p:blipFill>
+          <a:blip r:embed="rId12" cstate="print">
+            <a:extLst>
+              <a:ext uri="{28A0092B-C50C-407E-A947-70E740481C1C}">
+                <a14:useLocalDpi xmlns:a14="http://schemas.microsoft.com/office/drawing/2010/main" val="0"/>
+              </a:ext>
+            </a:extLst>
+          </a:blip>
+          <a:stretch>
+            <a:fillRect/>
+          </a:stretch>
+        </p:blipFill>
+        <p:spPr>
+          <a:xfrm>
+            <a:off x="6140989" y="4072086"/>
+            <a:ext cx="1397419" cy="1800000"/>
+          </a:xfrm>
+          <a:prstGeom prst="rect">
+            <a:avLst/>
+          </a:prstGeom>
+        </p:spPr>
+      </p:pic>
+      <p:pic>
+        <p:nvPicPr>
+          <p:cNvPr id="14" name="Image 13"/>
+          <p:cNvPicPr>
+            <a:picLocks noChangeAspect="1"/>
+          </p:cNvPicPr>
+          <p:nvPr/>
+        </p:nvPicPr>
+        <p:blipFill>
+          <a:blip r:embed="rId13" cstate="print">
+            <a:extLst>
+              <a:ext uri="{28A0092B-C50C-407E-A947-70E740481C1C}">
+                <a14:useLocalDpi xmlns:a14="http://schemas.microsoft.com/office/drawing/2010/main" val="0"/>
+              </a:ext>
+            </a:extLst>
+          </a:blip>
+          <a:stretch>
+            <a:fillRect/>
+          </a:stretch>
+        </p:blipFill>
+        <p:spPr>
+          <a:xfrm>
+            <a:off x="7614910" y="4057770"/>
+            <a:ext cx="1211811" cy="1800000"/>
           </a:xfrm>
           <a:prstGeom prst="rect">
             <a:avLst/>
